--- a/Mfon Ankoh - Power point presentation.pptx
+++ b/Mfon Ankoh - Power point presentation.pptx
@@ -16824,7 +16824,7 @@
         </p:blipFill>
         <p:spPr>
           <a:xfrm>
-            <a:off x="20" y="10"/>
+            <a:off x="19" y="10"/>
             <a:ext cx="12191981" cy="6857990"/>
           </a:xfrm>
           <a:prstGeom prst="rect">
@@ -17089,9 +17089,27 @@
                 </a:solidFill>
                 <a:latin typeface="Times New Roman" panose="02020603050405020304" pitchFamily="18" charset="0"/>
                 <a:cs typeface="Times New Roman" panose="02020603050405020304" pitchFamily="18" charset="0"/>
+                <a:hlinkClick r:id="rId3"/>
               </a:rPr>
               <a:t>https://github.com/mfonobong-ankoh/Final_project.git</a:t>
             </a:r>
+            <a:endParaRPr lang="en-GB" b="1" dirty="0">
+              <a:solidFill>
+                <a:schemeClr val="bg1"/>
+              </a:solidFill>
+              <a:latin typeface="Times New Roman" panose="02020603050405020304" pitchFamily="18" charset="0"/>
+              <a:cs typeface="Times New Roman" panose="02020603050405020304" pitchFamily="18" charset="0"/>
+            </a:endParaRPr>
+          </a:p>
+          <a:p>
+            <a:pPr algn="ctr"/>
+            <a:endParaRPr lang="en-GB" b="1" dirty="0">
+              <a:solidFill>
+                <a:schemeClr val="bg1"/>
+              </a:solidFill>
+              <a:latin typeface="Times New Roman" panose="02020603050405020304" pitchFamily="18" charset="0"/>
+              <a:cs typeface="Times New Roman" panose="02020603050405020304" pitchFamily="18" charset="0"/>
+            </a:endParaRPr>
           </a:p>
         </p:txBody>
       </p:sp>
